--- a/Common_Data/Tournaments_Data/01_KitakyusyuNode/PresentationSheet/presentation.pptx
+++ b/Common_Data/Tournaments_Data/01_KitakyusyuNode/PresentationSheet/presentation.pptx
@@ -243,7 +243,7 @@
           <a:p>
             <a:fld id="{5857F6DD-A663-424A-91CD-4A5CB938D056}" type="datetimeFigureOut">
               <a:rPr kumimoji="1" lang="ja-JP" altLang="en-US" smtClean="0"/>
-              <a:t>2024/12/2</a:t>
+              <a:t>2024/12/3</a:t>
             </a:fld>
             <a:endParaRPr kumimoji="1" lang="ja-JP" altLang="en-US"/>
           </a:p>
@@ -445,7 +445,7 @@
           <a:p>
             <a:fld id="{5857F6DD-A663-424A-91CD-4A5CB938D056}" type="datetimeFigureOut">
               <a:rPr kumimoji="1" lang="ja-JP" altLang="en-US" smtClean="0"/>
-              <a:t>2024/12/2</a:t>
+              <a:t>2024/12/3</a:t>
             </a:fld>
             <a:endParaRPr kumimoji="1" lang="ja-JP" altLang="en-US"/>
           </a:p>
@@ -657,7 +657,7 @@
           <a:p>
             <a:fld id="{5857F6DD-A663-424A-91CD-4A5CB938D056}" type="datetimeFigureOut">
               <a:rPr kumimoji="1" lang="ja-JP" altLang="en-US" smtClean="0"/>
-              <a:t>2024/12/2</a:t>
+              <a:t>2024/12/3</a:t>
             </a:fld>
             <a:endParaRPr kumimoji="1" lang="ja-JP" altLang="en-US"/>
           </a:p>
@@ -859,7 +859,7 @@
           <a:p>
             <a:fld id="{5857F6DD-A663-424A-91CD-4A5CB938D056}" type="datetimeFigureOut">
               <a:rPr kumimoji="1" lang="ja-JP" altLang="en-US" smtClean="0"/>
-              <a:t>2024/12/2</a:t>
+              <a:t>2024/12/3</a:t>
             </a:fld>
             <a:endParaRPr kumimoji="1" lang="ja-JP" altLang="en-US"/>
           </a:p>
@@ -1103,7 +1103,7 @@
           <a:p>
             <a:fld id="{5857F6DD-A663-424A-91CD-4A5CB938D056}" type="datetimeFigureOut">
               <a:rPr kumimoji="1" lang="ja-JP" altLang="en-US" smtClean="0"/>
-              <a:t>2024/12/2</a:t>
+              <a:t>2024/12/3</a:t>
             </a:fld>
             <a:endParaRPr kumimoji="1" lang="ja-JP" altLang="en-US"/>
           </a:p>
@@ -1399,7 +1399,7 @@
           <a:p>
             <a:fld id="{5857F6DD-A663-424A-91CD-4A5CB938D056}" type="datetimeFigureOut">
               <a:rPr kumimoji="1" lang="ja-JP" altLang="en-US" smtClean="0"/>
-              <a:t>2024/12/2</a:t>
+              <a:t>2024/12/3</a:t>
             </a:fld>
             <a:endParaRPr kumimoji="1" lang="ja-JP" altLang="en-US"/>
           </a:p>
@@ -1830,7 +1830,7 @@
           <a:p>
             <a:fld id="{5857F6DD-A663-424A-91CD-4A5CB938D056}" type="datetimeFigureOut">
               <a:rPr kumimoji="1" lang="ja-JP" altLang="en-US" smtClean="0"/>
-              <a:t>2024/12/2</a:t>
+              <a:t>2024/12/3</a:t>
             </a:fld>
             <a:endParaRPr kumimoji="1" lang="ja-JP" altLang="en-US"/>
           </a:p>
@@ -1948,7 +1948,7 @@
           <a:p>
             <a:fld id="{5857F6DD-A663-424A-91CD-4A5CB938D056}" type="datetimeFigureOut">
               <a:rPr kumimoji="1" lang="ja-JP" altLang="en-US" smtClean="0"/>
-              <a:t>2024/12/2</a:t>
+              <a:t>2024/12/3</a:t>
             </a:fld>
             <a:endParaRPr kumimoji="1" lang="ja-JP" altLang="en-US"/>
           </a:p>
@@ -2043,7 +2043,7 @@
           <a:p>
             <a:fld id="{5857F6DD-A663-424A-91CD-4A5CB938D056}" type="datetimeFigureOut">
               <a:rPr kumimoji="1" lang="ja-JP" altLang="en-US" smtClean="0"/>
-              <a:t>2024/12/2</a:t>
+              <a:t>2024/12/3</a:t>
             </a:fld>
             <a:endParaRPr kumimoji="1" lang="ja-JP" altLang="en-US"/>
           </a:p>
@@ -2352,7 +2352,7 @@
           <a:p>
             <a:fld id="{5857F6DD-A663-424A-91CD-4A5CB938D056}" type="datetimeFigureOut">
               <a:rPr kumimoji="1" lang="ja-JP" altLang="en-US" smtClean="0"/>
-              <a:t>2024/12/2</a:t>
+              <a:t>2024/12/3</a:t>
             </a:fld>
             <a:endParaRPr kumimoji="1" lang="ja-JP" altLang="en-US"/>
           </a:p>
@@ -2609,7 +2609,7 @@
           <a:p>
             <a:fld id="{5857F6DD-A663-424A-91CD-4A5CB938D056}" type="datetimeFigureOut">
               <a:rPr kumimoji="1" lang="ja-JP" altLang="en-US" smtClean="0"/>
-              <a:t>2024/12/2</a:t>
+              <a:t>2024/12/3</a:t>
             </a:fld>
             <a:endParaRPr kumimoji="1" lang="ja-JP" altLang="en-US"/>
           </a:p>
@@ -2854,7 +2854,7 @@
           <a:p>
             <a:fld id="{5857F6DD-A663-424A-91CD-4A5CB938D056}" type="datetimeFigureOut">
               <a:rPr kumimoji="1" lang="ja-JP" altLang="en-US" smtClean="0"/>
-              <a:t>2024/12/2</a:t>
+              <a:t>2024/12/3</a:t>
             </a:fld>
             <a:endParaRPr kumimoji="1" lang="ja-JP" altLang="en-US"/>
           </a:p>
@@ -4940,8 +4940,8 @@
         </p:nvSpPr>
         <p:spPr>
           <a:xfrm>
-            <a:off x="7353111" y="340201"/>
-            <a:ext cx="1712709" cy="475883"/>
+            <a:off x="7353112" y="340201"/>
+            <a:ext cx="1820736" cy="475883"/>
           </a:xfrm>
           <a:prstGeom prst="rect">
             <a:avLst/>
@@ -5133,7 +5133,7 @@
         </p:nvSpPr>
         <p:spPr>
           <a:xfrm>
-            <a:off x="8023235" y="2336296"/>
+            <a:off x="8023235" y="2348996"/>
             <a:ext cx="889001" cy="181812"/>
           </a:xfrm>
           <a:prstGeom prst="rect">
@@ -5427,8 +5427,8 @@
         </p:nvSpPr>
         <p:spPr>
           <a:xfrm rot="16200000">
-            <a:off x="8773849" y="1510427"/>
-            <a:ext cx="897284" cy="313339"/>
+            <a:off x="8826553" y="1563129"/>
+            <a:ext cx="897284" cy="207935"/>
           </a:xfrm>
           <a:prstGeom prst="rect">
             <a:avLst/>
@@ -5574,7 +5574,7 @@
           <p:spPr>
             <a:xfrm>
               <a:off x="7434120" y="1679151"/>
-              <a:ext cx="1712709" cy="1322238"/>
+              <a:ext cx="1818114" cy="1322238"/>
             </a:xfrm>
             <a:prstGeom prst="rect">
               <a:avLst/>
@@ -5634,6 +5634,10 @@
             </a:p>
             <a:p>
               <a:r>
+                <a:rPr kumimoji="1" lang="ja-JP" altLang="en-US" sz="900" b="1" dirty="0"/>
+                <a:t> </a:t>
+              </a:r>
+              <a:r>
                 <a:rPr kumimoji="1" lang="en-US" altLang="ja-JP" sz="900" b="1" dirty="0"/>
                 <a:t>【</a:t>
               </a:r>
@@ -5650,7 +5654,7 @@
             <a:p>
               <a:r>
                 <a:rPr kumimoji="1" lang="ja-JP" altLang="en-US" sz="900" b="1" dirty="0"/>
-                <a:t>  </a:t>
+                <a:t>   </a:t>
               </a:r>
               <a:r>
                 <a:rPr kumimoji="1" lang="ja-JP" altLang="en-US" sz="800" b="1" dirty="0"/>
@@ -5669,7 +5673,7 @@
             <a:p>
               <a:r>
                 <a:rPr kumimoji="1" lang="ja-JP" altLang="en-US" sz="900" b="1" dirty="0"/>
-                <a:t>  　</a:t>
+                <a:t>   　</a:t>
               </a:r>
               <a:r>
                 <a:rPr kumimoji="1" lang="en-US" altLang="ja-JP" sz="800" b="1" dirty="0"/>
@@ -5685,7 +5689,7 @@
             <a:p>
               <a:r>
                 <a:rPr kumimoji="1" lang="en-US" altLang="ja-JP" sz="900" b="1" dirty="0"/>
-                <a:t>【</a:t>
+                <a:t> 【</a:t>
               </a:r>
               <a:r>
                 <a:rPr kumimoji="1" lang="ja-JP" altLang="en-US" sz="900" b="1" dirty="0"/>
@@ -5700,7 +5704,7 @@
             <a:p>
               <a:r>
                 <a:rPr kumimoji="1" lang="ja-JP" altLang="en-US" sz="800" b="1" dirty="0"/>
-                <a:t>  ・</a:t>
+                <a:t>   ・</a:t>
               </a:r>
               <a:r>
                 <a:rPr kumimoji="1" lang="en-US" altLang="ja-JP" sz="800" b="1" dirty="0"/>
@@ -5715,7 +5719,7 @@
             <a:p>
               <a:r>
                 <a:rPr kumimoji="1" lang="ja-JP" altLang="en-US" sz="800" b="1" dirty="0"/>
-                <a:t>  　</a:t>
+                <a:t>   　</a:t>
               </a:r>
               <a:r>
                 <a:rPr kumimoji="1" lang="en-US" altLang="ja-JP" sz="700" b="1" dirty="0"/>
@@ -5762,8 +5766,8 @@
           </p:blipFill>
           <p:spPr bwMode="auto">
             <a:xfrm>
-              <a:off x="8688234" y="2121752"/>
-              <a:ext cx="376449" cy="366255"/>
+              <a:off x="8704315" y="2262516"/>
+              <a:ext cx="421900" cy="410475"/>
             </a:xfrm>
             <a:prstGeom prst="rect">
               <a:avLst/>
